--- a/Assets/SadLite.pptx
+++ b/Assets/SadLite.pptx
@@ -546,7 +546,7 @@
           <a:p>
             <a:fld id="{4707D50A-2708-40DC-93CC-2BDABE38B906}" type="datetimeFigureOut">
               <a:rPr lang="en-GB" smtClean="0"/>
-              <a:t>20/01/2025</a:t>
+              <a:t>27/01/2025</a:t>
             </a:fld>
             <a:endParaRPr lang="en-GB"/>
           </a:p>
@@ -746,7 +746,7 @@
           <a:p>
             <a:fld id="{4707D50A-2708-40DC-93CC-2BDABE38B906}" type="datetimeFigureOut">
               <a:rPr lang="en-GB" smtClean="0"/>
-              <a:t>20/01/2025</a:t>
+              <a:t>27/01/2025</a:t>
             </a:fld>
             <a:endParaRPr lang="en-GB"/>
           </a:p>
@@ -956,7 +956,7 @@
           <a:p>
             <a:fld id="{4707D50A-2708-40DC-93CC-2BDABE38B906}" type="datetimeFigureOut">
               <a:rPr lang="en-GB" smtClean="0"/>
-              <a:t>20/01/2025</a:t>
+              <a:t>27/01/2025</a:t>
             </a:fld>
             <a:endParaRPr lang="en-GB"/>
           </a:p>
@@ -1156,7 +1156,7 @@
           <a:p>
             <a:fld id="{4707D50A-2708-40DC-93CC-2BDABE38B906}" type="datetimeFigureOut">
               <a:rPr lang="en-GB" smtClean="0"/>
-              <a:t>20/01/2025</a:t>
+              <a:t>27/01/2025</a:t>
             </a:fld>
             <a:endParaRPr lang="en-GB"/>
           </a:p>
@@ -1432,7 +1432,7 @@
           <a:p>
             <a:fld id="{4707D50A-2708-40DC-93CC-2BDABE38B906}" type="datetimeFigureOut">
               <a:rPr lang="en-GB" smtClean="0"/>
-              <a:t>20/01/2025</a:t>
+              <a:t>27/01/2025</a:t>
             </a:fld>
             <a:endParaRPr lang="en-GB"/>
           </a:p>
@@ -1700,7 +1700,7 @@
           <a:p>
             <a:fld id="{4707D50A-2708-40DC-93CC-2BDABE38B906}" type="datetimeFigureOut">
               <a:rPr lang="en-GB" smtClean="0"/>
-              <a:t>20/01/2025</a:t>
+              <a:t>27/01/2025</a:t>
             </a:fld>
             <a:endParaRPr lang="en-GB"/>
           </a:p>
@@ -2115,7 +2115,7 @@
           <a:p>
             <a:fld id="{4707D50A-2708-40DC-93CC-2BDABE38B906}" type="datetimeFigureOut">
               <a:rPr lang="en-GB" smtClean="0"/>
-              <a:t>20/01/2025</a:t>
+              <a:t>27/01/2025</a:t>
             </a:fld>
             <a:endParaRPr lang="en-GB"/>
           </a:p>
@@ -2257,7 +2257,7 @@
           <a:p>
             <a:fld id="{4707D50A-2708-40DC-93CC-2BDABE38B906}" type="datetimeFigureOut">
               <a:rPr lang="en-GB" smtClean="0"/>
-              <a:t>20/01/2025</a:t>
+              <a:t>27/01/2025</a:t>
             </a:fld>
             <a:endParaRPr lang="en-GB"/>
           </a:p>
@@ -2370,7 +2370,7 @@
           <a:p>
             <a:fld id="{4707D50A-2708-40DC-93CC-2BDABE38B906}" type="datetimeFigureOut">
               <a:rPr lang="en-GB" smtClean="0"/>
-              <a:t>20/01/2025</a:t>
+              <a:t>27/01/2025</a:t>
             </a:fld>
             <a:endParaRPr lang="en-GB"/>
           </a:p>
@@ -2683,7 +2683,7 @@
           <a:p>
             <a:fld id="{4707D50A-2708-40DC-93CC-2BDABE38B906}" type="datetimeFigureOut">
               <a:rPr lang="en-GB" smtClean="0"/>
-              <a:t>20/01/2025</a:t>
+              <a:t>27/01/2025</a:t>
             </a:fld>
             <a:endParaRPr lang="en-GB"/>
           </a:p>
@@ -2972,7 +2972,7 @@
           <a:p>
             <a:fld id="{4707D50A-2708-40DC-93CC-2BDABE38B906}" type="datetimeFigureOut">
               <a:rPr lang="en-GB" smtClean="0"/>
-              <a:t>20/01/2025</a:t>
+              <a:t>27/01/2025</a:t>
             </a:fld>
             <a:endParaRPr lang="en-GB"/>
           </a:p>
@@ -3215,7 +3215,7 @@
           <a:p>
             <a:fld id="{4707D50A-2708-40DC-93CC-2BDABE38B906}" type="datetimeFigureOut">
               <a:rPr lang="en-GB" smtClean="0"/>
-              <a:t>20/01/2025</a:t>
+              <a:t>27/01/2025</a:t>
             </a:fld>
             <a:endParaRPr lang="en-GB"/>
           </a:p>
@@ -5255,6 +5255,15 @@
 </file>
 
 <file path=customXml/item2.xml><?xml version="1.0" encoding="utf-8"?>
+<?mso-contentType ?>
+<FormTemplates xmlns="http://schemas.microsoft.com/sharepoint/v3/contenttype/forms">
+  <Display>DocumentLibraryForm</Display>
+  <Edit>DocumentLibraryForm</Edit>
+  <New>DocumentLibraryForm</New>
+</FormTemplates>
+</file>
+
+<file path=customXml/item3.xml><?xml version="1.0" encoding="utf-8"?>
 <ct:contentTypeSchema xmlns:ct="http://schemas.microsoft.com/office/2006/metadata/contentType" xmlns:ma="http://schemas.microsoft.com/office/2006/metadata/properties/metaAttributes" ct:_="" ma:_="" ma:contentTypeName="Document" ma:contentTypeID="0x0101004FC1734FB154D1489F0BE10C6D0815D1" ma:contentTypeVersion="7" ma:contentTypeDescription="Create a new document." ma:contentTypeScope="" ma:versionID="e71b356bd5170f63f4755cad2e9df84b">
   <xsd:schema xmlns:xsd="http://www.w3.org/2001/XMLSchema" xmlns:xs="http://www.w3.org/2001/XMLSchema" xmlns:p="http://schemas.microsoft.com/office/2006/metadata/properties" xmlns:ns2="062afe05-ef54-41fa-b788-170ba962f396" targetNamespace="http://schemas.microsoft.com/office/2006/metadata/properties" ma:root="true" ma:fieldsID="9e3d9ad30644903c40561f5ed7932ee0" ns2:_="">
     <xsd:import namespace="062afe05-ef54-41fa-b788-170ba962f396"/>
@@ -5428,26 +5437,31 @@
 </ct:contentTypeSchema>
 </file>
 
-<file path=customXml/item3.xml><?xml version="1.0" encoding="utf-8"?>
-<?mso-contentType ?>
-<FormTemplates xmlns="http://schemas.microsoft.com/sharepoint/v3/contenttype/forms">
-  <Display>DocumentLibraryForm</Display>
-  <Edit>DocumentLibraryForm</Edit>
-  <New>DocumentLibraryForm</New>
-</FormTemplates>
-</file>
-
 <file path=customXml/itemProps1.xml><?xml version="1.0" encoding="utf-8"?>
 <ds:datastoreItem xmlns:ds="http://schemas.openxmlformats.org/officeDocument/2006/customXml" ds:itemID="{23419B2E-8927-461E-98DF-5B4775748F8D}">
   <ds:schemaRefs>
+    <ds:schemaRef ds:uri="http://schemas.openxmlformats.org/package/2006/metadata/core-properties"/>
+    <ds:schemaRef ds:uri="http://purl.org/dc/elements/1.1/"/>
+    <ds:schemaRef ds:uri="http://schemas.microsoft.com/office/2006/documentManagement/types"/>
+    <ds:schemaRef ds:uri="http://purl.org/dc/dcmitype/"/>
+    <ds:schemaRef ds:uri="http://www.w3.org/XML/1998/namespace"/>
+    <ds:schemaRef ds:uri="062afe05-ef54-41fa-b788-170ba962f396"/>
+    <ds:schemaRef ds:uri="http://schemas.microsoft.com/office/infopath/2007/PartnerControls"/>
     <ds:schemaRef ds:uri="http://schemas.microsoft.com/office/2006/metadata/properties"/>
-    <ds:schemaRef ds:uri="http://schemas.microsoft.com/office/infopath/2007/PartnerControls"/>
-    <ds:schemaRef ds:uri="062afe05-ef54-41fa-b788-170ba962f396"/>
+    <ds:schemaRef ds:uri="http://purl.org/dc/terms/"/>
   </ds:schemaRefs>
 </ds:datastoreItem>
 </file>
 
 <file path=customXml/itemProps2.xml><?xml version="1.0" encoding="utf-8"?>
+<ds:datastoreItem xmlns:ds="http://schemas.openxmlformats.org/officeDocument/2006/customXml" ds:itemID="{19833957-708F-4F77-A54A-6DBBCE041471}">
+  <ds:schemaRefs>
+    <ds:schemaRef ds:uri="http://schemas.microsoft.com/sharepoint/v3/contenttype/forms"/>
+  </ds:schemaRefs>
+</ds:datastoreItem>
+</file>
+
+<file path=customXml/itemProps3.xml><?xml version="1.0" encoding="utf-8"?>
 <ds:datastoreItem xmlns:ds="http://schemas.openxmlformats.org/officeDocument/2006/customXml" ds:itemID="{1C84FE51-C5FA-4948-AD8C-1111F13EE6E0}">
   <ds:schemaRefs>
     <ds:schemaRef ds:uri="http://schemas.microsoft.com/office/2006/metadata/contentType"/>
@@ -5463,12 +5477,4 @@
     <ds:schemaRef ds:uri="http://schemas.microsoft.com/internal/obd"/>
   </ds:schemaRefs>
 </ds:datastoreItem>
-</file>
-
-<file path=customXml/itemProps3.xml><?xml version="1.0" encoding="utf-8"?>
-<ds:datastoreItem xmlns:ds="http://schemas.openxmlformats.org/officeDocument/2006/customXml" ds:itemID="{19833957-708F-4F77-A54A-6DBBCE041471}">
-  <ds:schemaRefs>
-    <ds:schemaRef ds:uri="http://schemas.microsoft.com/sharepoint/v3/contenttype/forms"/>
-  </ds:schemaRefs>
-</ds:datastoreItem>
 </file>